--- a/images/wireframe.pptx
+++ b/images/wireframe.pptx
@@ -117,8 +117,7 @@
 <file path=ppt/revisionInfo.xml><?xml version="1.0" encoding="utf-8"?>
 <p1510:revInfo xmlns:a="http://schemas.openxmlformats.org/drawingml/2006/main" xmlns:r="http://schemas.openxmlformats.org/officeDocument/2006/relationships" xmlns:p1510="http://schemas.microsoft.com/office/powerpoint/2015/10/main">
   <p1510:revLst>
-    <p1510:client id="{5D8439DE-A345-48A1-A795-0C12CE164D39}" v="143" dt="2023-03-20T00:22:12.353"/>
-    <p1510:client id="{7E065D27-A1FE-40CF-9025-F78249D6DE96}" v="124" dt="2023-03-19T15:35:39.978"/>
+    <p1510:client id="{89FF947B-991C-443C-BE6E-BA82F3941164}" v="4" dt="2023-04-05T21:33:28.992"/>
   </p1510:revLst>
 </p1510:revInfo>
 </file>
@@ -185,6 +184,46 @@
             <ac:picMk id="8" creationId="{1A8DC628-619D-B69B-C4A7-6AD6A46EEF4B}"/>
           </ac:picMkLst>
         </pc:picChg>
+      </pc:sldChg>
+    </pc:docChg>
+  </pc:docChgLst>
+  <pc:docChgLst>
+    <pc:chgData name="Alvaro R. Maldonado V." userId="8b928f0c927914e0" providerId="LiveId" clId="{89FF947B-991C-443C-BE6E-BA82F3941164}"/>
+    <pc:docChg chg="modSld">
+      <pc:chgData name="Alvaro R. Maldonado V." userId="8b928f0c927914e0" providerId="LiveId" clId="{89FF947B-991C-443C-BE6E-BA82F3941164}" dt="2023-04-06T06:36:36.165" v="8" actId="1076"/>
+      <pc:docMkLst>
+        <pc:docMk/>
+      </pc:docMkLst>
+      <pc:sldChg chg="modSp mod">
+        <pc:chgData name="Alvaro R. Maldonado V." userId="8b928f0c927914e0" providerId="LiveId" clId="{89FF947B-991C-443C-BE6E-BA82F3941164}" dt="2023-04-06T06:36:36.165" v="8" actId="1076"/>
+        <pc:sldMkLst>
+          <pc:docMk/>
+          <pc:sldMk cId="1180244656" sldId="257"/>
+        </pc:sldMkLst>
+        <pc:spChg chg="mod">
+          <ac:chgData name="Alvaro R. Maldonado V." userId="8b928f0c927914e0" providerId="LiveId" clId="{89FF947B-991C-443C-BE6E-BA82F3941164}" dt="2023-04-06T06:36:36.165" v="8" actId="1076"/>
+          <ac:spMkLst>
+            <pc:docMk/>
+            <pc:sldMk cId="1180244656" sldId="257"/>
+            <ac:spMk id="9" creationId="{8C3C2B38-F9DE-679D-2942-2FCE16B97545}"/>
+          </ac:spMkLst>
+        </pc:spChg>
+        <pc:graphicFrameChg chg="mod">
+          <ac:chgData name="Alvaro R. Maldonado V." userId="8b928f0c927914e0" providerId="LiveId" clId="{89FF947B-991C-443C-BE6E-BA82F3941164}" dt="2023-04-05T21:33:31.871" v="7" actId="1076"/>
+          <ac:graphicFrameMkLst>
+            <pc:docMk/>
+            <pc:sldMk cId="1180244656" sldId="257"/>
+            <ac:graphicFrameMk id="5" creationId="{F84ABF2F-4392-E29C-B607-B2F49D343E84}"/>
+          </ac:graphicFrameMkLst>
+        </pc:graphicFrameChg>
+        <pc:graphicFrameChg chg="mod">
+          <ac:chgData name="Alvaro R. Maldonado V." userId="8b928f0c927914e0" providerId="LiveId" clId="{89FF947B-991C-443C-BE6E-BA82F3941164}" dt="2023-04-05T21:33:25.285" v="5" actId="1076"/>
+          <ac:graphicFrameMkLst>
+            <pc:docMk/>
+            <pc:sldMk cId="1180244656" sldId="257"/>
+            <ac:graphicFrameMk id="6" creationId="{A458BA00-3270-D1C9-DCC7-AED395B74B3B}"/>
+          </ac:graphicFrameMkLst>
+        </pc:graphicFrameChg>
       </pc:sldChg>
     </pc:docChg>
   </pc:docChgLst>
@@ -3018,7 +3057,7 @@
           <a:p>
             <a:fld id="{A49ED837-9AD3-46A5-AEC5-F357FB068B3F}" type="datetimeFigureOut">
               <a:rPr lang="es-GT" smtClean="0"/>
-              <a:t>19/03/2023</a:t>
+              <a:t>5/04/2023</a:t>
             </a:fld>
             <a:endParaRPr lang="es-GT"/>
           </a:p>
@@ -3218,7 +3257,7 @@
           <a:p>
             <a:fld id="{A49ED837-9AD3-46A5-AEC5-F357FB068B3F}" type="datetimeFigureOut">
               <a:rPr lang="es-GT" smtClean="0"/>
-              <a:t>19/03/2023</a:t>
+              <a:t>5/04/2023</a:t>
             </a:fld>
             <a:endParaRPr lang="es-GT"/>
           </a:p>
@@ -3428,7 +3467,7 @@
           <a:p>
             <a:fld id="{A49ED837-9AD3-46A5-AEC5-F357FB068B3F}" type="datetimeFigureOut">
               <a:rPr lang="es-GT" smtClean="0"/>
-              <a:t>19/03/2023</a:t>
+              <a:t>5/04/2023</a:t>
             </a:fld>
             <a:endParaRPr lang="es-GT"/>
           </a:p>
@@ -3628,7 +3667,7 @@
           <a:p>
             <a:fld id="{A49ED837-9AD3-46A5-AEC5-F357FB068B3F}" type="datetimeFigureOut">
               <a:rPr lang="es-GT" smtClean="0"/>
-              <a:t>19/03/2023</a:t>
+              <a:t>5/04/2023</a:t>
             </a:fld>
             <a:endParaRPr lang="es-GT"/>
           </a:p>
@@ -3904,7 +3943,7 @@
           <a:p>
             <a:fld id="{A49ED837-9AD3-46A5-AEC5-F357FB068B3F}" type="datetimeFigureOut">
               <a:rPr lang="es-GT" smtClean="0"/>
-              <a:t>19/03/2023</a:t>
+              <a:t>5/04/2023</a:t>
             </a:fld>
             <a:endParaRPr lang="es-GT"/>
           </a:p>
@@ -4172,7 +4211,7 @@
           <a:p>
             <a:fld id="{A49ED837-9AD3-46A5-AEC5-F357FB068B3F}" type="datetimeFigureOut">
               <a:rPr lang="es-GT" smtClean="0"/>
-              <a:t>19/03/2023</a:t>
+              <a:t>5/04/2023</a:t>
             </a:fld>
             <a:endParaRPr lang="es-GT"/>
           </a:p>
@@ -4587,7 +4626,7 @@
           <a:p>
             <a:fld id="{A49ED837-9AD3-46A5-AEC5-F357FB068B3F}" type="datetimeFigureOut">
               <a:rPr lang="es-GT" smtClean="0"/>
-              <a:t>19/03/2023</a:t>
+              <a:t>5/04/2023</a:t>
             </a:fld>
             <a:endParaRPr lang="es-GT"/>
           </a:p>
@@ -4729,7 +4768,7 @@
           <a:p>
             <a:fld id="{A49ED837-9AD3-46A5-AEC5-F357FB068B3F}" type="datetimeFigureOut">
               <a:rPr lang="es-GT" smtClean="0"/>
-              <a:t>19/03/2023</a:t>
+              <a:t>5/04/2023</a:t>
             </a:fld>
             <a:endParaRPr lang="es-GT"/>
           </a:p>
@@ -4842,7 +4881,7 @@
           <a:p>
             <a:fld id="{A49ED837-9AD3-46A5-AEC5-F357FB068B3F}" type="datetimeFigureOut">
               <a:rPr lang="es-GT" smtClean="0"/>
-              <a:t>19/03/2023</a:t>
+              <a:t>5/04/2023</a:t>
             </a:fld>
             <a:endParaRPr lang="es-GT"/>
           </a:p>
@@ -5155,7 +5194,7 @@
           <a:p>
             <a:fld id="{A49ED837-9AD3-46A5-AEC5-F357FB068B3F}" type="datetimeFigureOut">
               <a:rPr lang="es-GT" smtClean="0"/>
-              <a:t>19/03/2023</a:t>
+              <a:t>5/04/2023</a:t>
             </a:fld>
             <a:endParaRPr lang="es-GT"/>
           </a:p>
@@ -5444,7 +5483,7 @@
           <a:p>
             <a:fld id="{A49ED837-9AD3-46A5-AEC5-F357FB068B3F}" type="datetimeFigureOut">
               <a:rPr lang="es-GT" smtClean="0"/>
-              <a:t>19/03/2023</a:t>
+              <a:t>5/04/2023</a:t>
             </a:fld>
             <a:endParaRPr lang="es-GT"/>
           </a:p>
@@ -5687,7 +5726,7 @@
           <a:p>
             <a:fld id="{A49ED837-9AD3-46A5-AEC5-F357FB068B3F}" type="datetimeFigureOut">
               <a:rPr lang="es-GT" smtClean="0"/>
-              <a:t>19/03/2023</a:t>
+              <a:t>5/04/2023</a:t>
             </a:fld>
             <a:endParaRPr lang="es-GT"/>
           </a:p>
@@ -6198,7 +6237,7 @@
         </p:nvSpPr>
         <p:spPr>
           <a:xfrm>
-            <a:off x="2396837" y="0"/>
+            <a:off x="1188229" y="291415"/>
             <a:ext cx="9795164" cy="1697182"/>
           </a:xfrm>
           <a:prstGeom prst="rect">
@@ -6974,14 +7013,14 @@
           <p:nvPr>
             <p:extLst>
               <p:ext uri="{D42A27DB-BD31-4B8C-83A1-F6EECF244321}">
-                <p14:modId xmlns:p14="http://schemas.microsoft.com/office/powerpoint/2010/main" val="3725303771"/>
+                <p14:modId xmlns:p14="http://schemas.microsoft.com/office/powerpoint/2010/main" val="1497193068"/>
               </p:ext>
             </p:extLst>
           </p:nvPr>
         </p:nvGraphicFramePr>
         <p:xfrm>
-          <a:off x="92075" y="92075"/>
-          <a:ext cx="3716338" cy="5418138"/>
+          <a:off x="-4751463" y="5331376"/>
+          <a:ext cx="3716338" cy="730404"/>
         </p:xfrm>
         <a:graphic>
           <a:graphicData uri="http://schemas.openxmlformats.org/presentationml/2006/ole">
@@ -7014,8 +7053,8 @@
                     </p:blipFill>
                     <p:spPr>
                       <a:xfrm>
-                        <a:off x="92075" y="92075"/>
-                        <a:ext cx="3716338" cy="5418138"/>
+                        <a:off x="-4751463" y="5331376"/>
+                        <a:ext cx="3716338" cy="730404"/>
                       </a:xfrm>
                       <a:prstGeom prst="rect">
                         <a:avLst/>
@@ -7043,14 +7082,14 @@
           <p:nvPr>
             <p:extLst>
               <p:ext uri="{D42A27DB-BD31-4B8C-83A1-F6EECF244321}">
-                <p14:modId xmlns:p14="http://schemas.microsoft.com/office/powerpoint/2010/main" val="3848031935"/>
+                <p14:modId xmlns:p14="http://schemas.microsoft.com/office/powerpoint/2010/main" val="434827305"/>
               </p:ext>
             </p:extLst>
           </p:nvPr>
         </p:nvGraphicFramePr>
         <p:xfrm>
-          <a:off x="92075" y="92075"/>
-          <a:ext cx="3716338" cy="5418138"/>
+          <a:off x="-3884238" y="4655972"/>
+          <a:ext cx="3716338" cy="2081212"/>
         </p:xfrm>
         <a:graphic>
           <a:graphicData uri="http://schemas.openxmlformats.org/presentationml/2006/ole">
@@ -7083,8 +7122,8 @@
                     </p:blipFill>
                     <p:spPr>
                       <a:xfrm>
-                        <a:off x="92075" y="92075"/>
-                        <a:ext cx="3716338" cy="5418138"/>
+                        <a:off x="-3884238" y="4655972"/>
+                        <a:ext cx="3716338" cy="2081212"/>
                       </a:xfrm>
                       <a:prstGeom prst="rect">
                         <a:avLst/>
